--- a/deliverables/The Age of Information.pptx
+++ b/deliverables/The Age of Information.pptx
@@ -279,6 +279,18 @@
 </p:presentation>
 </file>
 
+<file path=ppt/commentAuthors.xml><?xml version="1.0" encoding="utf-8"?>
+<p:cmAuthorLst xmlns:a="http://schemas.openxmlformats.org/drawingml/2006/main" xmlns:r="http://schemas.openxmlformats.org/officeDocument/2006/relationships" xmlns:p="http://schemas.openxmlformats.org/presentationml/2006/main">
+  <p:cmAuthor id="1" name="Lei Xu" initials="LX" lastIdx="1" clrIdx="0">
+    <p:extLst>
+      <p:ext uri="{19B8F6BF-5375-455C-9EA6-DF929625EA0E}">
+        <p15:presenceInfo xmlns:p15="http://schemas.microsoft.com/office/powerpoint/2012/main" userId="27cb937918e3d6f1" providerId="Windows Live"/>
+      </p:ext>
+    </p:extLst>
+  </p:cmAuthor>
+</p:cmAuthorLst>
+</file>
+
 <file path=ppt/notesMasters/notesMaster1.xml><?xml version="1.0" encoding="utf-8"?>
 <p:notesMaster xmlns:a="http://schemas.openxmlformats.org/drawingml/2006/main" xmlns:r="http://schemas.openxmlformats.org/officeDocument/2006/relationships" xmlns:p="http://schemas.openxmlformats.org/presentationml/2006/main">
   <p:cSld>
@@ -749,8 +761,8 @@
         </p:nvSpPr>
         <p:spPr>
           <a:xfrm>
-            <a:off x="381300" y="685800"/>
-            <a:ext cx="6096075" cy="3429000"/>
+            <a:off x="381000" y="685800"/>
+            <a:ext cx="6096000" cy="3429000"/>
           </a:xfrm>
           <a:custGeom>
             <a:avLst/>
@@ -15261,10 +15273,10 @@
               <a:buNone/>
             </a:pPr>
             <a:r>
-              <a:rPr lang="en"/>
+              <a:rPr lang="en" dirty="0"/>
               <a:t>The Age of Information</a:t>
             </a:r>
-            <a:endParaRPr/>
+            <a:endParaRPr dirty="0"/>
           </a:p>
         </p:txBody>
       </p:sp>
